--- a/eri_slide_template.pptx
+++ b/eri_slide_template.pptx
@@ -5,10 +5,10 @@
     <p:sldMasterId id="2147483648" r:id="rId1"/>
   </p:sldMasterIdLst>
   <p:notesMasterIdLst>
-    <p:notesMasterId r:id="rId18"/>
+    <p:notesMasterId r:id="rId19"/>
   </p:notesMasterIdLst>
   <p:handoutMasterIdLst>
-    <p:handoutMasterId r:id="rId19"/>
+    <p:handoutMasterId r:id="rId20"/>
   </p:handoutMasterIdLst>
   <p:sldIdLst>
     <p:sldId id="437" r:id="rId2"/>
@@ -26,7 +26,8 @@
     <p:sldId id="446" r:id="rId14"/>
     <p:sldId id="447" r:id="rId15"/>
     <p:sldId id="449" r:id="rId16"/>
-    <p:sldId id="448" r:id="rId17"/>
+    <p:sldId id="459" r:id="rId17"/>
+    <p:sldId id="448" r:id="rId18"/>
   </p:sldIdLst>
   <p:sldSz cx="9144000" cy="6858000" type="screen4x3"/>
   <p:notesSz cx="7010400" cy="9296400"/>
@@ -932,6 +933,96 @@
 </p:notes>
 </file>
 
+<file path=ppt/notesSlides/notesSlide10.xml><?xml version="1.0" encoding="utf-8"?>
+<p:notes xmlns:a="http://schemas.openxmlformats.org/drawingml/2006/main" xmlns:r="http://schemas.openxmlformats.org/officeDocument/2006/relationships" xmlns:p="http://schemas.openxmlformats.org/presentationml/2006/main">
+  <p:cSld>
+    <p:spTree>
+      <p:nvGrpSpPr>
+        <p:cNvPr id="1" name=""/>
+        <p:cNvGrpSpPr/>
+        <p:nvPr/>
+      </p:nvGrpSpPr>
+      <p:grpSpPr>
+        <a:xfrm>
+          <a:off x="0" y="0"/>
+          <a:ext cx="0" cy="0"/>
+          <a:chOff x="0" y="0"/>
+          <a:chExt cx="0" cy="0"/>
+        </a:xfrm>
+      </p:grpSpPr>
+      <p:sp>
+        <p:nvSpPr>
+          <p:cNvPr id="2" name="Slide Image Placeholder 1"/>
+          <p:cNvSpPr>
+            <a:spLocks noGrp="1" noRot="1" noChangeAspect="1"/>
+          </p:cNvSpPr>
+          <p:nvPr>
+            <p:ph type="sldImg"/>
+          </p:nvPr>
+        </p:nvSpPr>
+        <p:spPr/>
+      </p:sp>
+      <p:sp>
+        <p:nvSpPr>
+          <p:cNvPr id="3" name="Notes Placeholder 2"/>
+          <p:cNvSpPr>
+            <a:spLocks noGrp="1"/>
+          </p:cNvSpPr>
+          <p:nvPr>
+            <p:ph type="body" idx="1"/>
+          </p:nvPr>
+        </p:nvSpPr>
+        <p:spPr/>
+        <p:txBody>
+          <a:bodyPr/>
+          <a:lstStyle/>
+          <a:p>
+            <a:endParaRPr lang="en-US" dirty="0"/>
+          </a:p>
+        </p:txBody>
+      </p:sp>
+      <p:sp>
+        <p:nvSpPr>
+          <p:cNvPr id="4" name="Slide Number Placeholder 3"/>
+          <p:cNvSpPr>
+            <a:spLocks noGrp="1"/>
+          </p:cNvSpPr>
+          <p:nvPr>
+            <p:ph type="sldNum" sz="quarter" idx="10"/>
+          </p:nvPr>
+        </p:nvSpPr>
+        <p:spPr/>
+        <p:txBody>
+          <a:bodyPr/>
+          <a:lstStyle/>
+          <a:p>
+            <a:pPr>
+              <a:defRPr/>
+            </a:pPr>
+            <a:fld id="{F607F631-F4B5-44DE-86A0-F869E7A82C8A}" type="slidenum">
+              <a:rPr lang="en-US" smtClean="0"/>
+              <a:pPr>
+                <a:defRPr/>
+              </a:pPr>
+              <a:t>17</a:t>
+            </a:fld>
+            <a:endParaRPr lang="en-US"/>
+          </a:p>
+        </p:txBody>
+      </p:sp>
+    </p:spTree>
+    <p:extLst>
+      <p:ext uri="{BB962C8B-B14F-4D97-AF65-F5344CB8AC3E}">
+        <p14:creationId xmlns:p14="http://schemas.microsoft.com/office/powerpoint/2010/main" val="517998197"/>
+      </p:ext>
+    </p:extLst>
+  </p:cSld>
+  <p:clrMapOvr>
+    <a:masterClrMapping/>
+  </p:clrMapOvr>
+</p:notes>
+</file>
+
 <file path=ppt/notesSlides/notesSlide2.xml><?xml version="1.0" encoding="utf-8"?>
 <p:notes xmlns:a="http://schemas.openxmlformats.org/drawingml/2006/main" xmlns:r="http://schemas.openxmlformats.org/officeDocument/2006/relationships" xmlns:p="http://schemas.openxmlformats.org/presentationml/2006/main">
   <p:cSld>
@@ -1642,7 +1733,7 @@
     </p:spTree>
     <p:extLst>
       <p:ext uri="{BB962C8B-B14F-4D97-AF65-F5344CB8AC3E}">
-        <p14:creationId xmlns:p14="http://schemas.microsoft.com/office/powerpoint/2010/main" val="517998197"/>
+        <p14:creationId xmlns:p14="http://schemas.microsoft.com/office/powerpoint/2010/main" val="294570412"/>
       </p:ext>
     </p:extLst>
   </p:cSld>
@@ -5699,7 +5790,15 @@
           <a:p>
             <a:r>
               <a:rPr lang="en-US" dirty="0" smtClean="0"/>
-              <a:t>Beautiful Soup (bs4) and requests</a:t>
+              <a:t>bs4/</a:t>
+            </a:r>
+            <a:r>
+              <a:rPr lang="en-US" dirty="0" err="1" smtClean="0"/>
+              <a:t>lxml</a:t>
+            </a:r>
+            <a:r>
+              <a:rPr lang="en-US" dirty="0" smtClean="0"/>
+              <a:t> + requests</a:t>
             </a:r>
           </a:p>
           <a:p>
@@ -5947,25 +6046,10 @@
           <a:bodyPr/>
           <a:lstStyle/>
           <a:p>
-            <a:endParaRPr lang="en-US" dirty="0"/>
-          </a:p>
-        </p:txBody>
-      </p:sp>
-      <p:sp>
-        <p:nvSpPr>
-          <p:cNvPr id="3" name="Content Placeholder 2"/>
-          <p:cNvSpPr>
-            <a:spLocks noGrp="1"/>
-          </p:cNvSpPr>
-          <p:nvPr>
-            <p:ph idx="1"/>
-          </p:nvPr>
-        </p:nvSpPr>
-        <p:spPr/>
-        <p:txBody>
-          <a:bodyPr/>
-          <a:lstStyle/>
-          <a:p>
+            <a:r>
+              <a:rPr lang="en-US" dirty="0" smtClean="0"/>
+              <a:t>Huzzah!</a:t>
+            </a:r>
             <a:endParaRPr lang="en-US" dirty="0"/>
           </a:p>
         </p:txBody>
@@ -5999,6 +6083,36 @@
           </a:p>
         </p:txBody>
       </p:sp>
+      <p:pic>
+        <p:nvPicPr>
+          <p:cNvPr id="5" name="Picture 4" descr="all_reviews.png"/>
+          <p:cNvPicPr>
+            <a:picLocks noChangeAspect="1"/>
+          </p:cNvPicPr>
+          <p:nvPr/>
+        </p:nvPicPr>
+        <p:blipFill>
+          <a:blip r:embed="rId3">
+            <a:extLst>
+              <a:ext uri="{28A0092B-C50C-407E-A947-70E740481C1C}">
+                <a14:useLocalDpi xmlns:a14="http://schemas.microsoft.com/office/drawing/2010/main" val="0"/>
+              </a:ext>
+            </a:extLst>
+          </a:blip>
+          <a:stretch>
+            <a:fillRect/>
+          </a:stretch>
+        </p:blipFill>
+        <p:spPr>
+          <a:xfrm>
+            <a:off x="1065122" y="1282245"/>
+            <a:ext cx="7551438" cy="5034292"/>
+          </a:xfrm>
+          <a:prstGeom prst="rect">
+            <a:avLst/>
+          </a:prstGeom>
+        </p:spPr>
+      </p:pic>
     </p:spTree>
     <p:extLst>
       <p:ext uri="{BB962C8B-B14F-4D97-AF65-F5344CB8AC3E}">
@@ -6051,26 +6165,15 @@
           <a:bodyPr/>
           <a:lstStyle/>
           <a:p>
+            <a:r>
+              <a:rPr lang="en-US" dirty="0" smtClean="0"/>
+              <a:t>No but seriously</a:t>
+            </a:r>
+            <a:r>
+              <a:rPr lang="is-IS" dirty="0" smtClean="0"/>
+              <a:t>…</a:t>
+            </a:r>
             <a:endParaRPr lang="en-US" dirty="0"/>
-          </a:p>
-        </p:txBody>
-      </p:sp>
-      <p:sp>
-        <p:nvSpPr>
-          <p:cNvPr id="3" name="Content Placeholder 2"/>
-          <p:cNvSpPr>
-            <a:spLocks noGrp="1"/>
-          </p:cNvSpPr>
-          <p:nvPr>
-            <p:ph idx="1"/>
-          </p:nvPr>
-        </p:nvSpPr>
-        <p:spPr/>
-        <p:txBody>
-          <a:bodyPr/>
-          <a:lstStyle/>
-          <a:p>
-            <a:endParaRPr lang="en-US" sz="1600" dirty="0"/>
           </a:p>
         </p:txBody>
       </p:sp>
@@ -6103,6 +6206,126 @@
           </a:p>
         </p:txBody>
       </p:sp>
+      <p:pic>
+        <p:nvPicPr>
+          <p:cNvPr id="5" name="Picture 4" descr="monthly_mean_alltime.png"/>
+          <p:cNvPicPr>
+            <a:picLocks noChangeAspect="1"/>
+          </p:cNvPicPr>
+          <p:nvPr/>
+        </p:nvPicPr>
+        <p:blipFill>
+          <a:blip r:embed="rId2">
+            <a:extLst>
+              <a:ext uri="{28A0092B-C50C-407E-A947-70E740481C1C}">
+                <a14:useLocalDpi xmlns:a14="http://schemas.microsoft.com/office/drawing/2010/main" val="0"/>
+              </a:ext>
+            </a:extLst>
+          </a:blip>
+          <a:stretch>
+            <a:fillRect/>
+          </a:stretch>
+        </p:blipFill>
+        <p:spPr>
+          <a:xfrm>
+            <a:off x="982165" y="1299799"/>
+            <a:ext cx="3728949" cy="2485966"/>
+          </a:xfrm>
+          <a:prstGeom prst="rect">
+            <a:avLst/>
+          </a:prstGeom>
+        </p:spPr>
+      </p:pic>
+      <p:pic>
+        <p:nvPicPr>
+          <p:cNvPr id="6" name="Picture 5" descr="monthly_var_alltime.png"/>
+          <p:cNvPicPr>
+            <a:picLocks noChangeAspect="1"/>
+          </p:cNvPicPr>
+          <p:nvPr/>
+        </p:nvPicPr>
+        <p:blipFill>
+          <a:blip r:embed="rId3">
+            <a:extLst>
+              <a:ext uri="{28A0092B-C50C-407E-A947-70E740481C1C}">
+                <a14:useLocalDpi xmlns:a14="http://schemas.microsoft.com/office/drawing/2010/main" val="0"/>
+              </a:ext>
+            </a:extLst>
+          </a:blip>
+          <a:stretch>
+            <a:fillRect/>
+          </a:stretch>
+        </p:blipFill>
+        <p:spPr>
+          <a:xfrm>
+            <a:off x="4880894" y="1313455"/>
+            <a:ext cx="3723768" cy="2482512"/>
+          </a:xfrm>
+          <a:prstGeom prst="rect">
+            <a:avLst/>
+          </a:prstGeom>
+        </p:spPr>
+      </p:pic>
+      <p:pic>
+        <p:nvPicPr>
+          <p:cNvPr id="7" name="Picture 6" descr="annual_mean_alltime.png"/>
+          <p:cNvPicPr>
+            <a:picLocks noChangeAspect="1"/>
+          </p:cNvPicPr>
+          <p:nvPr/>
+        </p:nvPicPr>
+        <p:blipFill>
+          <a:blip r:embed="rId4">
+            <a:extLst>
+              <a:ext uri="{28A0092B-C50C-407E-A947-70E740481C1C}">
+                <a14:useLocalDpi xmlns:a14="http://schemas.microsoft.com/office/drawing/2010/main" val="0"/>
+              </a:ext>
+            </a:extLst>
+          </a:blip>
+          <a:stretch>
+            <a:fillRect/>
+          </a:stretch>
+        </p:blipFill>
+        <p:spPr>
+          <a:xfrm>
+            <a:off x="982165" y="3593765"/>
+            <a:ext cx="3728949" cy="2485966"/>
+          </a:xfrm>
+          <a:prstGeom prst="rect">
+            <a:avLst/>
+          </a:prstGeom>
+        </p:spPr>
+      </p:pic>
+      <p:pic>
+        <p:nvPicPr>
+          <p:cNvPr id="8" name="Picture 7" descr="annual_var_alltime.png"/>
+          <p:cNvPicPr>
+            <a:picLocks noChangeAspect="1"/>
+          </p:cNvPicPr>
+          <p:nvPr/>
+        </p:nvPicPr>
+        <p:blipFill>
+          <a:blip r:embed="rId5">
+            <a:extLst>
+              <a:ext uri="{28A0092B-C50C-407E-A947-70E740481C1C}">
+                <a14:useLocalDpi xmlns:a14="http://schemas.microsoft.com/office/drawing/2010/main" val="0"/>
+              </a:ext>
+            </a:extLst>
+          </a:blip>
+          <a:stretch>
+            <a:fillRect/>
+          </a:stretch>
+        </p:blipFill>
+        <p:spPr>
+          <a:xfrm>
+            <a:off x="4873955" y="3593765"/>
+            <a:ext cx="3723768" cy="2482512"/>
+          </a:xfrm>
+          <a:prstGeom prst="rect">
+            <a:avLst/>
+          </a:prstGeom>
+        </p:spPr>
+      </p:pic>
     </p:spTree>
     <p:extLst>
       <p:ext uri="{BB962C8B-B14F-4D97-AF65-F5344CB8AC3E}">
@@ -6155,6 +6378,10 @@
           <a:bodyPr/>
           <a:lstStyle/>
           <a:p>
+            <a:r>
+              <a:rPr lang="en-US" dirty="0" smtClean="0"/>
+              <a:t>More fun stats!</a:t>
+            </a:r>
             <a:endParaRPr lang="en-US" dirty="0"/>
           </a:p>
         </p:txBody>
@@ -6188,22 +6415,162 @@
           </a:p>
         </p:txBody>
       </p:sp>
-      <p:sp>
-        <p:nvSpPr>
-          <p:cNvPr id="3" name="Content Placeholder 2"/>
-          <p:cNvSpPr>
-            <a:spLocks noGrp="1"/>
-          </p:cNvSpPr>
-          <p:nvPr>
-            <p:ph idx="1"/>
-          </p:nvPr>
-        </p:nvSpPr>
-        <p:spPr/>
-        <p:txBody>
-          <a:bodyPr/>
+      <p:pic>
+        <p:nvPicPr>
+          <p:cNvPr id="6" name="Picture 5" descr="Screen Shot 2018-06-26 at 9.26.39 AM.png"/>
+          <p:cNvPicPr>
+            <a:picLocks noChangeAspect="1"/>
+          </p:cNvPicPr>
+          <p:nvPr/>
+        </p:nvPicPr>
+        <p:blipFill>
+          <a:blip r:embed="rId2">
+            <a:extLst>
+              <a:ext uri="{28A0092B-C50C-407E-A947-70E740481C1C}">
+                <a14:useLocalDpi xmlns:a14="http://schemas.microsoft.com/office/drawing/2010/main" val="0"/>
+              </a:ext>
+            </a:extLst>
+          </a:blip>
+          <a:stretch>
+            <a:fillRect/>
+          </a:stretch>
+        </p:blipFill>
+        <p:spPr>
+          <a:xfrm>
+            <a:off x="6589410" y="1811117"/>
+            <a:ext cx="2082800" cy="4546600"/>
+          </a:xfrm>
+          <a:prstGeom prst="rect">
+            <a:avLst/>
+          </a:prstGeom>
+        </p:spPr>
+      </p:pic>
+      <p:pic>
+        <p:nvPicPr>
+          <p:cNvPr id="7" name="Picture 6" descr="score_hist.png"/>
+          <p:cNvPicPr>
+            <a:picLocks noChangeAspect="1"/>
+          </p:cNvPicPr>
+          <p:nvPr/>
+        </p:nvPicPr>
+        <p:blipFill>
+          <a:blip r:embed="rId3">
+            <a:extLst>
+              <a:ext uri="{28A0092B-C50C-407E-A947-70E740481C1C}">
+                <a14:useLocalDpi xmlns:a14="http://schemas.microsoft.com/office/drawing/2010/main" val="0"/>
+              </a:ext>
+            </a:extLst>
+          </a:blip>
+          <a:stretch>
+            <a:fillRect/>
+          </a:stretch>
+        </p:blipFill>
+        <p:spPr>
+          <a:xfrm>
+            <a:off x="927543" y="1299800"/>
+            <a:ext cx="5486400" cy="3657600"/>
+          </a:xfrm>
+          <a:prstGeom prst="rect">
+            <a:avLst/>
+          </a:prstGeom>
+        </p:spPr>
+      </p:pic>
+      <p:sp>
+        <p:nvSpPr>
+          <p:cNvPr id="8" name="TextBox 7"/>
+          <p:cNvSpPr txBox="1"/>
+          <p:nvPr/>
+        </p:nvSpPr>
+        <p:spPr>
+          <a:xfrm>
+            <a:off x="1310919" y="4820059"/>
+            <a:ext cx="4574560" cy="1477328"/>
+          </a:xfrm>
+          <a:prstGeom prst="rect">
+            <a:avLst/>
+          </a:prstGeom>
+          <a:noFill/>
+        </p:spPr>
+        <p:txBody>
+          <a:bodyPr wrap="square" rtlCol="0">
+            <a:spAutoFit/>
+          </a:bodyPr>
           <a:lstStyle/>
           <a:p>
-            <a:endParaRPr lang="en-US"/>
+            <a:r>
+              <a:rPr lang="en-US" dirty="0" smtClean="0"/>
+              <a:t>Notable darlings: Kendrick Lamar (8.92), Fleet Foxes (8.8), Vampire Weekend (8.67)</a:t>
+            </a:r>
+          </a:p>
+          <a:p>
+            <a:endParaRPr lang="en-US" dirty="0"/>
+          </a:p>
+          <a:p>
+            <a:r>
+              <a:rPr lang="en-US" dirty="0" smtClean="0"/>
+              <a:t>Notable roasts: Mumford and Sons (2.05), Alt-J (4.43), Kings of Leon (4.79)</a:t>
+            </a:r>
+            <a:endParaRPr lang="en-US" dirty="0"/>
+          </a:p>
+        </p:txBody>
+      </p:sp>
+      <p:sp>
+        <p:nvSpPr>
+          <p:cNvPr id="9" name="TextBox 8"/>
+          <p:cNvSpPr txBox="1"/>
+          <p:nvPr/>
+        </p:nvSpPr>
+        <p:spPr>
+          <a:xfrm>
+            <a:off x="6663837" y="1406420"/>
+            <a:ext cx="2089277" cy="369332"/>
+          </a:xfrm>
+          <a:prstGeom prst="rect">
+            <a:avLst/>
+          </a:prstGeom>
+          <a:noFill/>
+        </p:spPr>
+        <p:txBody>
+          <a:bodyPr wrap="square" rtlCol="0">
+            <a:spAutoFit/>
+          </a:bodyPr>
+          <a:lstStyle/>
+          <a:p>
+            <a:r>
+              <a:rPr lang="en-US" u="sng" dirty="0" smtClean="0"/>
+              <a:t>Reviews per year</a:t>
+            </a:r>
+            <a:endParaRPr lang="en-US" u="sng" dirty="0"/>
+          </a:p>
+        </p:txBody>
+      </p:sp>
+      <p:sp>
+        <p:nvSpPr>
+          <p:cNvPr id="10" name="TextBox 9"/>
+          <p:cNvSpPr txBox="1"/>
+          <p:nvPr/>
+        </p:nvSpPr>
+        <p:spPr>
+          <a:xfrm>
+            <a:off x="6991567" y="6393086"/>
+            <a:ext cx="1556716" cy="369332"/>
+          </a:xfrm>
+          <a:prstGeom prst="rect">
+            <a:avLst/>
+          </a:prstGeom>
+          <a:noFill/>
+        </p:spPr>
+        <p:txBody>
+          <a:bodyPr wrap="square" rtlCol="0">
+            <a:spAutoFit/>
+          </a:bodyPr>
+          <a:lstStyle/>
+          <a:p>
+            <a:r>
+              <a:rPr lang="en-US" dirty="0" smtClean="0"/>
+              <a:t>3.4 per day!</a:t>
+            </a:r>
+            <a:endParaRPr lang="en-US" dirty="0"/>
           </a:p>
         </p:txBody>
       </p:sp>
@@ -6259,6 +6626,10 @@
           <a:bodyPr/>
           <a:lstStyle/>
           <a:p>
+            <a:r>
+              <a:rPr lang="en-US" dirty="0" smtClean="0"/>
+              <a:t>Overview</a:t>
+            </a:r>
             <a:endParaRPr lang="en-US" dirty="0"/>
           </a:p>
         </p:txBody>
@@ -6277,6 +6648,59 @@
         <p:txBody>
           <a:bodyPr/>
           <a:lstStyle/>
+          <a:p>
+            <a:r>
+              <a:rPr lang="en-US" dirty="0" smtClean="0"/>
+              <a:t>What is Pitchfork? </a:t>
+            </a:r>
+            <a:r>
+              <a:rPr lang="en-US" dirty="0" smtClean="0"/>
+              <a:t>What are they getting soft on?</a:t>
+            </a:r>
+          </a:p>
+          <a:p>
+            <a:r>
+              <a:rPr lang="en-US" dirty="0" smtClean="0"/>
+              <a:t>How do we get the data that we want?</a:t>
+            </a:r>
+          </a:p>
+          <a:p>
+            <a:r>
+              <a:rPr lang="en-US" dirty="0"/>
+              <a:t>What problems did I run into</a:t>
+            </a:r>
+            <a:r>
+              <a:rPr lang="en-US" dirty="0" smtClean="0"/>
+              <a:t>?</a:t>
+            </a:r>
+            <a:endParaRPr lang="en-US" dirty="0" smtClean="0"/>
+          </a:p>
+          <a:p>
+            <a:r>
+              <a:rPr lang="en-US" dirty="0"/>
+              <a:t>What about those other libraries</a:t>
+            </a:r>
+            <a:r>
+              <a:rPr lang="en-US" dirty="0" smtClean="0"/>
+              <a:t>?</a:t>
+            </a:r>
+          </a:p>
+          <a:p>
+            <a:r>
+              <a:rPr lang="en-US" dirty="0" smtClean="0"/>
+              <a:t>Show me some results!</a:t>
+            </a:r>
+          </a:p>
+          <a:p>
+            <a:r>
+              <a:rPr lang="en-US" dirty="0" smtClean="0"/>
+              <a:t>Where to go from here?</a:t>
+            </a:r>
+            <a:endParaRPr lang="en-US" dirty="0"/>
+          </a:p>
+          <a:p>
+            <a:endParaRPr lang="en-US" dirty="0" smtClean="0"/>
+          </a:p>
           <a:p>
             <a:endParaRPr lang="en-US" dirty="0"/>
           </a:p>
@@ -6306,6 +6730,139 @@
                 <a:defRPr/>
               </a:pPr>
               <a:t>16</a:t>
+            </a:fld>
+            <a:endParaRPr lang="en-US" dirty="0" smtClean="0"/>
+          </a:p>
+        </p:txBody>
+      </p:sp>
+    </p:spTree>
+    <p:extLst>
+      <p:ext uri="{BB962C8B-B14F-4D97-AF65-F5344CB8AC3E}">
+        <p14:creationId xmlns:p14="http://schemas.microsoft.com/office/powerpoint/2010/main" val="1981292283"/>
+      </p:ext>
+    </p:extLst>
+  </p:cSld>
+  <p:clrMapOvr>
+    <a:masterClrMapping/>
+  </p:clrMapOvr>
+  <p:timing>
+    <p:tnLst>
+      <p:par>
+        <p:cTn xmlns:p14="http://schemas.microsoft.com/office/powerpoint/2010/main" id="1" dur="indefinite" restart="never" nodeType="tmRoot"/>
+      </p:par>
+    </p:tnLst>
+  </p:timing>
+</p:sld>
+</file>
+
+<file path=ppt/slides/slide17.xml><?xml version="1.0" encoding="utf-8"?>
+<p:sld xmlns:a="http://schemas.openxmlformats.org/drawingml/2006/main" xmlns:r="http://schemas.openxmlformats.org/officeDocument/2006/relationships" xmlns:p="http://schemas.openxmlformats.org/presentationml/2006/main">
+  <p:cSld>
+    <p:spTree>
+      <p:nvGrpSpPr>
+        <p:cNvPr id="1" name=""/>
+        <p:cNvGrpSpPr/>
+        <p:nvPr/>
+      </p:nvGrpSpPr>
+      <p:grpSpPr>
+        <a:xfrm>
+          <a:off x="0" y="0"/>
+          <a:ext cx="0" cy="0"/>
+          <a:chOff x="0" y="0"/>
+          <a:chExt cx="0" cy="0"/>
+        </a:xfrm>
+      </p:grpSpPr>
+      <p:sp>
+        <p:nvSpPr>
+          <p:cNvPr id="2" name="Title 1"/>
+          <p:cNvSpPr>
+            <a:spLocks noGrp="1"/>
+          </p:cNvSpPr>
+          <p:nvPr>
+            <p:ph type="title"/>
+          </p:nvPr>
+        </p:nvSpPr>
+        <p:spPr/>
+        <p:txBody>
+          <a:bodyPr/>
+          <a:lstStyle/>
+          <a:p>
+            <a:r>
+              <a:rPr lang="en-US" dirty="0" smtClean="0"/>
+              <a:t>Where to go next?</a:t>
+            </a:r>
+            <a:endParaRPr lang="en-US" dirty="0"/>
+          </a:p>
+        </p:txBody>
+      </p:sp>
+      <p:sp>
+        <p:nvSpPr>
+          <p:cNvPr id="3" name="Content Placeholder 2"/>
+          <p:cNvSpPr>
+            <a:spLocks noGrp="1"/>
+          </p:cNvSpPr>
+          <p:nvPr>
+            <p:ph idx="1"/>
+          </p:nvPr>
+        </p:nvSpPr>
+        <p:spPr/>
+        <p:txBody>
+          <a:bodyPr/>
+          <a:lstStyle/>
+          <a:p>
+            <a:r>
+              <a:rPr lang="en-US" dirty="0" smtClean="0"/>
+              <a:t>Lots of other features to look at: Best new music, reviewers, artist score progression over time</a:t>
+            </a:r>
+          </a:p>
+          <a:p>
+            <a:pPr marL="0" indent="0">
+              <a:buNone/>
+            </a:pPr>
+            <a:endParaRPr lang="en-US" dirty="0" smtClean="0"/>
+          </a:p>
+          <a:p>
+            <a:r>
+              <a:rPr lang="en-US" dirty="0" smtClean="0"/>
+              <a:t>Is it worthwhile to try and predict anything?</a:t>
+            </a:r>
+          </a:p>
+          <a:p>
+            <a:endParaRPr lang="en-US" dirty="0"/>
+          </a:p>
+          <a:p>
+            <a:r>
+              <a:rPr lang="en-US" dirty="0" smtClean="0"/>
+              <a:t>The texts!</a:t>
+            </a:r>
+            <a:endParaRPr lang="en-US" dirty="0"/>
+          </a:p>
+        </p:txBody>
+      </p:sp>
+      <p:sp>
+        <p:nvSpPr>
+          <p:cNvPr id="4" name="Footer Placeholder 3"/>
+          <p:cNvSpPr>
+            <a:spLocks noGrp="1"/>
+          </p:cNvSpPr>
+          <p:nvPr>
+            <p:ph type="ftr" sz="quarter" idx="11"/>
+          </p:nvPr>
+        </p:nvSpPr>
+        <p:spPr/>
+        <p:txBody>
+          <a:bodyPr/>
+          <a:lstStyle/>
+          <a:p>
+            <a:pPr>
+              <a:defRPr/>
+            </a:pPr>
+            <a:fld id="{36E782EA-993A-4407-AF05-19A935CF8C36}" type="slidenum">
+              <a:rPr lang="en-US" smtClean="0"/>
+              <a:pPr>
+                <a:defRPr/>
+              </a:pPr>
+              <a:t>17</a:t>
             </a:fld>
             <a:endParaRPr lang="en-US" dirty="0" smtClean="0"/>
           </a:p>
